--- a/Presentation.pptx
+++ b/Presentation.pptx
@@ -116,6 +116,11 @@
       </a:defRPr>
     </a:lvl9pPr>
   </p:defaultTextStyle>
+  <p:extLst>
+    <p:ext uri="{EFAFB233-063F-42B5-8137-9DF3F51BA10A}">
+      <p15:sldGuideLst xmlns:p15="http://schemas.microsoft.com/office/powerpoint/2012/main"/>
+    </p:ext>
+  </p:extLst>
 </p:presentation>
 </file>
 
@@ -16965,11 +16970,11 @@
   <p:clrMapOvr>
     <a:masterClrMapping/>
   </p:clrMapOvr>
-  <mc:AlternateContent xmlns:mc="http://schemas.openxmlformats.org/markup-compatibility/2006">
-    <mc:Choice xmlns:p14="http://schemas.microsoft.com/office/powerpoint/2010/main" Requires="p14">
+  <mc:AlternateContent xmlns:mc="http://schemas.openxmlformats.org/markup-compatibility/2006" xmlns:p14="http://schemas.microsoft.com/office/powerpoint/2010/main">
+    <mc:Choice Requires="p14">
       <p:transition p14:dur="0"/>
     </mc:Choice>
-    <mc:Fallback>
+    <mc:Fallback xmlns="">
       <p:transition/>
     </mc:Fallback>
   </mc:AlternateContent>
@@ -17146,11 +17151,11 @@
   <p:clrMapOvr>
     <a:masterClrMapping/>
   </p:clrMapOvr>
-  <mc:AlternateContent xmlns:mc="http://schemas.openxmlformats.org/markup-compatibility/2006">
-    <mc:Choice xmlns:p14="http://schemas.microsoft.com/office/powerpoint/2010/main" Requires="p14">
+  <mc:AlternateContent xmlns:mc="http://schemas.openxmlformats.org/markup-compatibility/2006" xmlns:p14="http://schemas.microsoft.com/office/powerpoint/2010/main">
+    <mc:Choice Requires="p14">
       <p:transition p14:dur="0"/>
     </mc:Choice>
-    <mc:Fallback>
+    <mc:Fallback xmlns="">
       <p:transition/>
     </mc:Fallback>
   </mc:AlternateContent>
@@ -17193,7 +17198,7 @@
         </p:nvSpPr>
         <p:spPr>
           <a:xfrm>
-            <a:off x="420545" y="2349925"/>
+            <a:off x="883389" y="2349925"/>
             <a:ext cx="3498979" cy="2456442"/>
           </a:xfrm>
         </p:spPr>
@@ -17231,8 +17236,8 @@
         </p:blipFill>
         <p:spPr>
           <a:xfrm>
-            <a:off x="3435446" y="127843"/>
-            <a:ext cx="8680353" cy="4237328"/>
+            <a:off x="90312" y="435515"/>
+            <a:ext cx="12025335" cy="5870186"/>
           </a:xfrm>
           <a:prstGeom prst="rect">
             <a:avLst/>
@@ -17262,7 +17267,7 @@
         </p:blipFill>
         <p:spPr bwMode="auto">
           <a:xfrm>
-            <a:off x="736231" y="404088"/>
+            <a:off x="907983" y="286754"/>
             <a:ext cx="10530484" cy="6167708"/>
           </a:xfrm>
           <a:prstGeom prst="rect">
@@ -17290,11 +17295,11 @@
   <p:clrMapOvr>
     <a:masterClrMapping/>
   </p:clrMapOvr>
-  <mc:AlternateContent xmlns:mc="http://schemas.openxmlformats.org/markup-compatibility/2006">
-    <mc:Choice xmlns:p14="http://schemas.microsoft.com/office/powerpoint/2010/main" Requires="p14">
+  <mc:AlternateContent xmlns:mc="http://schemas.openxmlformats.org/markup-compatibility/2006" xmlns:p14="http://schemas.microsoft.com/office/powerpoint/2010/main">
+    <mc:Choice Requires="p14">
       <p:transition p14:dur="0"/>
     </mc:Choice>
-    <mc:Fallback>
+    <mc:Fallback xmlns="">
       <p:transition/>
     </mc:Fallback>
   </mc:AlternateContent>
@@ -17332,6 +17337,59 @@
                                           </p:stCondLst>
                                         </p:cTn>
                                         <p:tgtEl>
+                                          <p:spTgt spid="6"/>
+                                        </p:tgtEl>
+                                        <p:attrNameLst>
+                                          <p:attrName>style.visibility</p:attrName>
+                                        </p:attrNameLst>
+                                      </p:cBhvr>
+                                      <p:to>
+                                        <p:strVal val="visible"/>
+                                      </p:to>
+                                    </p:set>
+                                    <p:animEffect transition="in" filter="fade">
+                                      <p:cBhvr>
+                                        <p:cTn id="7" dur="500"/>
+                                        <p:tgtEl>
+                                          <p:spTgt spid="6"/>
+                                        </p:tgtEl>
+                                      </p:cBhvr>
+                                    </p:animEffect>
+                                  </p:childTnLst>
+                                </p:cTn>
+                              </p:par>
+                            </p:childTnLst>
+                          </p:cTn>
+                        </p:par>
+                      </p:childTnLst>
+                    </p:cTn>
+                  </p:par>
+                  <p:par>
+                    <p:cTn id="8" fill="hold">
+                      <p:stCondLst>
+                        <p:cond delay="indefinite"/>
+                      </p:stCondLst>
+                      <p:childTnLst>
+                        <p:par>
+                          <p:cTn id="9" fill="hold">
+                            <p:stCondLst>
+                              <p:cond delay="0"/>
+                            </p:stCondLst>
+                            <p:childTnLst>
+                              <p:par>
+                                <p:cTn id="10" presetID="10" presetClass="entr" presetSubtype="0" fill="hold" nodeType="clickEffect">
+                                  <p:stCondLst>
+                                    <p:cond delay="0"/>
+                                  </p:stCondLst>
+                                  <p:childTnLst>
+                                    <p:set>
+                                      <p:cBhvr>
+                                        <p:cTn id="11" dur="1" fill="hold">
+                                          <p:stCondLst>
+                                            <p:cond delay="0"/>
+                                          </p:stCondLst>
+                                        </p:cTn>
+                                        <p:tgtEl>
                                           <p:spTgt spid="1026"/>
                                         </p:tgtEl>
                                         <p:attrNameLst>
@@ -17344,7 +17402,7 @@
                                     </p:set>
                                     <p:animEffect transition="in" filter="fade">
                                       <p:cBhvr>
-                                        <p:cTn id="7" dur="500"/>
+                                        <p:cTn id="12" dur="500"/>
                                         <p:tgtEl>
                                           <p:spTgt spid="1026"/>
                                         </p:tgtEl>
@@ -17832,7 +17890,7 @@
         </p:blipFill>
         <p:spPr>
           <a:xfrm>
-            <a:off x="513443" y="85167"/>
+            <a:off x="807354" y="85167"/>
             <a:ext cx="9512300" cy="6668517"/>
           </a:xfrm>
         </p:spPr>
@@ -18195,11 +18253,11 @@
   <p:clrMapOvr>
     <a:masterClrMapping/>
   </p:clrMapOvr>
-  <mc:AlternateContent xmlns:mc="http://schemas.openxmlformats.org/markup-compatibility/2006">
-    <mc:Choice xmlns:p14="http://schemas.microsoft.com/office/powerpoint/2010/main" Requires="p14">
+  <mc:AlternateContent xmlns:mc="http://schemas.openxmlformats.org/markup-compatibility/2006" xmlns:p14="http://schemas.microsoft.com/office/powerpoint/2010/main">
+    <mc:Choice Requires="p14">
       <p:transition p14:dur="0"/>
     </mc:Choice>
-    <mc:Fallback>
+    <mc:Fallback xmlns="">
       <p:transition/>
     </mc:Fallback>
   </mc:AlternateContent>
